--- a/報告書/チームC 報告書.pptx
+++ b/報告書/チームC 報告書.pptx
@@ -7400,14 +7400,7 @@
                 <a:latin typeface="BIZ UDPゴシック" panose="020B0400000000000000" pitchFamily="50" charset="-128"/>
                 <a:ea typeface="BIZ UDPゴシック" panose="020B0400000000000000" pitchFamily="50" charset="-128"/>
               </a:rPr>
-              <a:t>のページ</a:t>
-            </a:r>
-            <a:r>
-              <a:rPr lang="ja-JP" altLang="en-US" sz="3200" dirty="0" smtClean="0">
-                <a:latin typeface="BIZ UDPゴシック" panose="020B0400000000000000" pitchFamily="50" charset="-128"/>
-                <a:ea typeface="BIZ UDPゴシック" panose="020B0400000000000000" pitchFamily="50" charset="-128"/>
-              </a:rPr>
-              <a:t>参考</a:t>
+              <a:t>のページ参考</a:t>
             </a:r>
             <a:endParaRPr lang="ja-JP" altLang="en-US" sz="3200" dirty="0">
               <a:latin typeface="BIZ UDPゴシック" panose="020B0400000000000000" pitchFamily="50" charset="-128"/>
@@ -10015,10 +10008,6 @@
               </a:rPr>
               <a:t>費用</a:t>
             </a:r>
-            <a:endParaRPr lang="ja-JP" altLang="en-US" sz="3200" dirty="0">
-              <a:latin typeface="BIZ UDPゴシック" panose="020B0400000000000000" pitchFamily="50" charset="-128"/>
-              <a:ea typeface="BIZ UDPゴシック" panose="020B0400000000000000" pitchFamily="50" charset="-128"/>
-            </a:endParaRPr>
           </a:p>
         </p:txBody>
       </p:sp>
@@ -10209,8 +10198,8 @@
         </p:nvSpPr>
         <p:spPr>
           <a:xfrm>
-            <a:off x="912669" y="1017585"/>
-            <a:ext cx="1646605" cy="369332"/>
+            <a:off x="586993" y="1080215"/>
+            <a:ext cx="6112571" cy="2862322"/>
           </a:xfrm>
           <a:prstGeom prst="rect">
             <a:avLst/>
@@ -10224,8 +10213,99 @@
           <a:lstStyle/>
           <a:p>
             <a:r>
+              <a:rPr kumimoji="1" lang="en-US" altLang="ja-JP" dirty="0" smtClean="0"/>
+              <a:t>&lt;</a:t>
+            </a:r>
+            <a:r>
               <a:rPr kumimoji="1" lang="ja-JP" altLang="en-US" dirty="0" smtClean="0"/>
-              <a:t>西　当たり判定</a:t>
+              <a:t>西山</a:t>
+            </a:r>
+            <a:r>
+              <a:rPr kumimoji="1" lang="en-US" altLang="ja-JP" dirty="0" smtClean="0"/>
+              <a:t>&gt;</a:t>
+            </a:r>
+            <a:r>
+              <a:rPr kumimoji="1" lang="ja-JP" altLang="en-US" dirty="0" smtClean="0"/>
+              <a:t>　</a:t>
+            </a:r>
+            <a:endParaRPr kumimoji="1" lang="en-US" altLang="ja-JP" dirty="0" smtClean="0"/>
+          </a:p>
+          <a:p>
+            <a:r>
+              <a:rPr kumimoji="1" lang="ja-JP" altLang="en-US" dirty="0"/>
+              <a:t>・</a:t>
+            </a:r>
+            <a:r>
+              <a:rPr kumimoji="1" lang="ja-JP" altLang="en-US" dirty="0" smtClean="0"/>
+              <a:t>当たり判定</a:t>
+            </a:r>
+            <a:endParaRPr kumimoji="1" lang="en-US" altLang="ja-JP" dirty="0" smtClean="0"/>
+          </a:p>
+          <a:p>
+            <a:r>
+              <a:rPr kumimoji="1" lang="ja-JP" altLang="en-US" dirty="0" smtClean="0"/>
+              <a:t>ブロックの位置をセルで決めていたので</a:t>
+            </a:r>
+            <a:endParaRPr kumimoji="1" lang="en-US" altLang="ja-JP" dirty="0" smtClean="0"/>
+          </a:p>
+          <a:p>
+            <a:r>
+              <a:rPr kumimoji="1" lang="ja-JP" altLang="en-US" dirty="0" smtClean="0"/>
+              <a:t>ブロック同士で当たった後の位置を</a:t>
+            </a:r>
+            <a:endParaRPr kumimoji="1" lang="en-US" altLang="ja-JP" dirty="0"/>
+          </a:p>
+          <a:p>
+            <a:r>
+              <a:rPr kumimoji="1" lang="ja-JP" altLang="en-US" dirty="0" smtClean="0"/>
+              <a:t>定めるのが困難でした。</a:t>
+            </a:r>
+            <a:endParaRPr kumimoji="1" lang="en-US" altLang="ja-JP" dirty="0"/>
+          </a:p>
+          <a:p>
+            <a:r>
+              <a:rPr kumimoji="1" lang="ja-JP" altLang="en-US" dirty="0" smtClean="0"/>
+              <a:t>・影</a:t>
+            </a:r>
+            <a:endParaRPr kumimoji="1" lang="en-US" altLang="ja-JP" dirty="0" smtClean="0"/>
+          </a:p>
+          <a:p>
+            <a:r>
+              <a:rPr kumimoji="1" lang="ja-JP" altLang="en-US" dirty="0" smtClean="0"/>
+              <a:t>最初はステンシルシャドウですべて作ろうと思ったのですが、</a:t>
+            </a:r>
+            <a:endParaRPr kumimoji="1" lang="en-US" altLang="ja-JP" dirty="0" smtClean="0"/>
+          </a:p>
+          <a:p>
+            <a:r>
+              <a:rPr kumimoji="1" lang="ja-JP" altLang="en-US" dirty="0"/>
+              <a:t>重</a:t>
+            </a:r>
+            <a:r>
+              <a:rPr kumimoji="1" lang="ja-JP" altLang="en-US" dirty="0" smtClean="0"/>
+              <a:t>なっているブロック</a:t>
+            </a:r>
+            <a:r>
+              <a:rPr kumimoji="1" lang="ja-JP" altLang="en-US" dirty="0" smtClean="0"/>
+              <a:t>の影で下のブロックが真っ黒になったり、</a:t>
+            </a:r>
+            <a:endParaRPr kumimoji="1" lang="en-US" altLang="ja-JP" dirty="0"/>
+          </a:p>
+          <a:p>
+            <a:r>
+              <a:rPr kumimoji="1" lang="ja-JP" altLang="en-US" dirty="0" smtClean="0"/>
+              <a:t>透明度を設定するのが困難なため、</a:t>
+            </a:r>
+            <a:endParaRPr kumimoji="1" lang="en-US" altLang="ja-JP" dirty="0" smtClean="0"/>
+          </a:p>
+          <a:p>
+            <a:r>
+              <a:rPr kumimoji="1" lang="en-US" altLang="ja-JP" dirty="0" smtClean="0"/>
+              <a:t>3D</a:t>
+            </a:r>
+            <a:r>
+              <a:rPr kumimoji="1" lang="ja-JP" altLang="en-US" dirty="0" smtClean="0"/>
+              <a:t>ポリゴンを利用して、処理を簡単にしました。</a:t>
             </a:r>
             <a:endParaRPr kumimoji="1" lang="en-US" altLang="ja-JP" dirty="0" smtClean="0"/>
           </a:p>
@@ -10463,10 +10543,6 @@
               </a:rPr>
               <a:t>感想</a:t>
             </a:r>
-            <a:endParaRPr lang="ja-JP" altLang="en-US" sz="3200" dirty="0">
-              <a:latin typeface="BIZ UDPゴシック" panose="020B0400000000000000" pitchFamily="50" charset="-128"/>
-              <a:ea typeface="BIZ UDPゴシック" panose="020B0400000000000000" pitchFamily="50" charset="-128"/>
-            </a:endParaRPr>
           </a:p>
         </p:txBody>
       </p:sp>
